--- a/decks/workshop-whisperer/workshop-whisperer.pptx
+++ b/decks/workshop-whisperer/workshop-whisperer.pptx
@@ -523,7 +523,7 @@
           <a:p>
             <a:r>
               <a:rPr lang="en-US" dirty="0"/>
-              <a:t>Welcome. This is Session 1 of the AI Academy.</a:t>
+              <a:t>Session 1 of AI Academy.</a:t>
             </a:r>
             <a:endParaRPr lang="en-US" dirty="0"/>
           </a:p>
@@ -611,7 +611,7 @@
           <a:p>
             <a:r>
               <a:rPr lang="en-US" dirty="0"/>
-              <a:t>Specificity in = specificity out. We didn’t give new information — we described what we actually wanted.</a:t>
+              <a:t>Specificity in = specificity out. No new info — just described actual requirements.</a:t>
             </a:r>
             <a:endParaRPr lang="en-US" dirty="0"/>
           </a:p>
@@ -963,7 +963,7 @@
           <a:p>
             <a:r>
               <a:rPr lang="en-US" dirty="0"/>
-              <a:t>These keywords change AI behavior more than you’d expect. A leading question produces sycophantic agreement. Permit uncertainty.</a:t>
+              <a:t>Keywords significantly change AI behavior. Leading questions → sycophantic agreement. Permit uncertainty.</a:t>
             </a:r>
             <a:endParaRPr lang="en-US" dirty="0"/>
           </a:p>
@@ -1139,7 +1139,7 @@
           <a:p>
             <a:r>
               <a:rPr lang="en-US" dirty="0"/>
-              <a:t>You wouldn’t ask a designer for ‘something nice.’ Tell the AI what format, tone, length, and audience you need.</a:t>
+              <a:t>Specify format, tone, length, audience. Same principle as briefing a designer.</a:t>
             </a:r>
             <a:endParaRPr lang="en-US" dirty="0"/>
           </a:p>
@@ -1315,7 +1315,7 @@
           <a:p>
             <a:r>
               <a:rPr lang="en-US" dirty="0"/>
-              <a:t>This is the emotional peak. Give them a full minute to compare. The transformation is visceral because they did it themselves.</a:t>
+              <a:t>Emotional peak. Full minute to compare. Transformation is visceral — self-driven.</a:t>
             </a:r>
             <a:endParaRPr lang="en-US" dirty="0"/>
           </a:p>
@@ -1667,7 +1667,7 @@
           <a:p>
             <a:r>
               <a:rPr lang="en-US" dirty="0"/>
-              <a:t>The cliffhanger — borrowed from the main deck. Every iteration changed the words, but the AI had zero context about their company, team, or situation. Next session fixes that.</a:t>
+              <a:t>Cliffhanger from main deck. All iterations changed words, not context. Next session fixes this.</a:t>
             </a:r>
             <a:endParaRPr lang="en-US" dirty="0"/>
           </a:p>
@@ -1843,7 +1843,7 @@
           <a:p>
             <a:r>
               <a:rPr lang="en-US" dirty="0"/>
-              <a:t>Quick framing. They’re Explorers — they’ve used ChatGPT. But they type vague prompts and get mediocre results. Today that changes.</a:t>
+              <a:t>Quick framing. Audience = Explorers. Used ChatGPT, vague prompts, mediocre results.</a:t>
             </a:r>
             <a:endParaRPr lang="en-US" dirty="0"/>
           </a:p>
@@ -1931,7 +1931,7 @@
           <a:p>
             <a:r>
               <a:rPr lang="en-US" dirty="0"/>
-              <a:t>Minimal level set — borrowed from main deck. Don’t dwell. The audience needs this context but not a deep dive. ~30 seconds.</a:t>
+              <a:t>Minimal level set from main deck. Don’t dwell. ~30 seconds.</a:t>
             </a:r>
             <a:endParaRPr lang="en-US" dirty="0"/>
           </a:p>
